--- a/docs/SRS/SystemContextFigure.pptx
+++ b/docs/SRS/SystemContextFigure.pptx
@@ -6,6 +6,8 @@
   </p:sldMasterIdLst>
   <p:sldIdLst>
     <p:sldId id="256" r:id="rId2"/>
+    <p:sldId id="257" r:id="rId3"/>
+    <p:sldId id="258" r:id="rId4"/>
   </p:sldIdLst>
   <p:sldSz cx="9144000" cy="6858000" type="screen4x3"/>
   <p:notesSz cx="6858000" cy="9144000"/>
@@ -304,7 +306,7 @@
           <a:p>
             <a:fld id="{779256A2-DE0C-7447-B687-786F38514E8C}" type="datetimeFigureOut">
               <a:rPr lang="en-US" smtClean="0"/>
-              <a:t>9/4/19</a:t>
+              <a:t>1/29/26</a:t>
             </a:fld>
             <a:endParaRPr lang="en-US"/>
           </a:p>
@@ -474,7 +476,7 @@
           <a:p>
             <a:fld id="{779256A2-DE0C-7447-B687-786F38514E8C}" type="datetimeFigureOut">
               <a:rPr lang="en-US" smtClean="0"/>
-              <a:t>9/4/19</a:t>
+              <a:t>1/29/26</a:t>
             </a:fld>
             <a:endParaRPr lang="en-US"/>
           </a:p>
@@ -654,7 +656,7 @@
           <a:p>
             <a:fld id="{779256A2-DE0C-7447-B687-786F38514E8C}" type="datetimeFigureOut">
               <a:rPr lang="en-US" smtClean="0"/>
-              <a:t>9/4/19</a:t>
+              <a:t>1/29/26</a:t>
             </a:fld>
             <a:endParaRPr lang="en-US"/>
           </a:p>
@@ -824,7 +826,7 @@
           <a:p>
             <a:fld id="{779256A2-DE0C-7447-B687-786F38514E8C}" type="datetimeFigureOut">
               <a:rPr lang="en-US" smtClean="0"/>
-              <a:t>9/4/19</a:t>
+              <a:t>1/29/26</a:t>
             </a:fld>
             <a:endParaRPr lang="en-US"/>
           </a:p>
@@ -1070,7 +1072,7 @@
           <a:p>
             <a:fld id="{779256A2-DE0C-7447-B687-786F38514E8C}" type="datetimeFigureOut">
               <a:rPr lang="en-US" smtClean="0"/>
-              <a:t>9/4/19</a:t>
+              <a:t>1/29/26</a:t>
             </a:fld>
             <a:endParaRPr lang="en-US"/>
           </a:p>
@@ -1358,7 +1360,7 @@
           <a:p>
             <a:fld id="{779256A2-DE0C-7447-B687-786F38514E8C}" type="datetimeFigureOut">
               <a:rPr lang="en-US" smtClean="0"/>
-              <a:t>9/4/19</a:t>
+              <a:t>1/29/26</a:t>
             </a:fld>
             <a:endParaRPr lang="en-US"/>
           </a:p>
@@ -1780,7 +1782,7 @@
           <a:p>
             <a:fld id="{779256A2-DE0C-7447-B687-786F38514E8C}" type="datetimeFigureOut">
               <a:rPr lang="en-US" smtClean="0"/>
-              <a:t>9/4/19</a:t>
+              <a:t>1/29/26</a:t>
             </a:fld>
             <a:endParaRPr lang="en-US"/>
           </a:p>
@@ -1898,7 +1900,7 @@
           <a:p>
             <a:fld id="{779256A2-DE0C-7447-B687-786F38514E8C}" type="datetimeFigureOut">
               <a:rPr lang="en-US" smtClean="0"/>
-              <a:t>9/4/19</a:t>
+              <a:t>1/29/26</a:t>
             </a:fld>
             <a:endParaRPr lang="en-US"/>
           </a:p>
@@ -1993,7 +1995,7 @@
           <a:p>
             <a:fld id="{779256A2-DE0C-7447-B687-786F38514E8C}" type="datetimeFigureOut">
               <a:rPr lang="en-US" smtClean="0"/>
-              <a:t>9/4/19</a:t>
+              <a:t>1/29/26</a:t>
             </a:fld>
             <a:endParaRPr lang="en-US"/>
           </a:p>
@@ -2270,7 +2272,7 @@
           <a:p>
             <a:fld id="{779256A2-DE0C-7447-B687-786F38514E8C}" type="datetimeFigureOut">
               <a:rPr lang="en-US" smtClean="0"/>
-              <a:t>9/4/19</a:t>
+              <a:t>1/29/26</a:t>
             </a:fld>
             <a:endParaRPr lang="en-US"/>
           </a:p>
@@ -2523,7 +2525,7 @@
           <a:p>
             <a:fld id="{779256A2-DE0C-7447-B687-786F38514E8C}" type="datetimeFigureOut">
               <a:rPr lang="en-US" smtClean="0"/>
-              <a:t>9/4/19</a:t>
+              <a:t>1/29/26</a:t>
             </a:fld>
             <a:endParaRPr lang="en-US"/>
           </a:p>
@@ -2736,7 +2738,7 @@
           <a:p>
             <a:fld id="{779256A2-DE0C-7447-B687-786F38514E8C}" type="datetimeFigureOut">
               <a:rPr lang="en-US" smtClean="0"/>
-              <a:t>9/4/19</a:t>
+              <a:t>1/29/26</a:t>
             </a:fld>
             <a:endParaRPr lang="en-US"/>
           </a:p>
@@ -3119,10 +3121,10 @@
         </p:nvGrpSpPr>
         <p:grpSpPr>
           <a:xfrm>
-            <a:off x="189913" y="2868373"/>
-            <a:ext cx="8858711" cy="1252941"/>
-            <a:chOff x="189913" y="3381165"/>
-            <a:chExt cx="8858711" cy="1252941"/>
+            <a:off x="142644" y="1453047"/>
+            <a:ext cx="8858711" cy="1615644"/>
+            <a:chOff x="189913" y="3018462"/>
+            <a:chExt cx="8858711" cy="1615644"/>
           </a:xfrm>
         </p:grpSpPr>
         <p:grpSp>
@@ -3286,7 +3288,7 @@
                 <a:lstStyle/>
                 <a:p>
                   <a:pPr algn="ctr"/>
-                  <a:endParaRPr lang="en-US"/>
+                  <a:endParaRPr lang="en-US" dirty="0"/>
                 </a:p>
               </p:txBody>
             </p:sp>
@@ -3333,9 +3335,9 @@
           <p:grpSpPr>
             <a:xfrm>
               <a:off x="3885481" y="3381165"/>
-              <a:ext cx="1523744" cy="1246370"/>
+              <a:ext cx="1483694" cy="1246370"/>
               <a:chOff x="3703297" y="1721177"/>
-              <a:chExt cx="1523744" cy="1246370"/>
+              <a:chExt cx="1483694" cy="1246370"/>
             </a:xfrm>
           </p:grpSpPr>
           <p:sp>
@@ -3394,8 +3396,8 @@
             </p:nvSpPr>
             <p:spPr>
               <a:xfrm>
-                <a:off x="3726309" y="2113529"/>
-                <a:ext cx="1500732" cy="461665"/>
+                <a:off x="4078697" y="2113529"/>
+                <a:ext cx="732893" cy="461665"/>
               </a:xfrm>
               <a:prstGeom prst="rect">
                 <a:avLst/>
@@ -3409,16 +3411,12 @@
               <a:lstStyle/>
               <a:p>
                 <a:r>
-                  <a:rPr lang="en-US" sz="2400" dirty="0" err="1">
+                  <a:rPr lang="en-US" sz="2400" dirty="0">
                     <a:latin typeface="Times New Roman"/>
                     <a:cs typeface="Times New Roman"/>
                   </a:rPr>
-                  <a:t>ProgName</a:t>
+                  <a:t>BSS</a:t>
                 </a:r>
-                <a:endParaRPr lang="en-US" sz="2400" dirty="0">
-                  <a:latin typeface="Times New Roman"/>
-                  <a:cs typeface="Times New Roman"/>
-                </a:endParaRPr>
               </a:p>
             </p:txBody>
           </p:sp>
@@ -3508,8 +3506,8 @@
           </p:nvSpPr>
           <p:spPr>
             <a:xfrm>
-              <a:off x="1745191" y="3577615"/>
-              <a:ext cx="1114408" cy="369332"/>
+              <a:off x="1657486" y="3018462"/>
+              <a:ext cx="1980029" cy="923330"/>
             </a:xfrm>
             <a:prstGeom prst="rect">
               <a:avLst/>
@@ -3522,13 +3520,56 @@
             </a:bodyPr>
             <a:lstStyle/>
             <a:p>
+              <a:pPr algn="ctr"/>
               <a:r>
                 <a:rPr lang="en-US" dirty="0">
-                  <a:latin typeface="Times New Roman"/>
-                  <a:cs typeface="Times New Roman"/>
+                  <a:latin typeface="Times New Roman" panose="02020603050405020304" pitchFamily="18" charset="0"/>
+                  <a:cs typeface="Times New Roman" panose="02020603050405020304" pitchFamily="18" charset="0"/>
                 </a:rPr>
-                <a:t>Inputs: …</a:t>
+                <a:t>Inputs:</a:t>
               </a:r>
+            </a:p>
+            <a:p>
+              <a:pPr algn="ctr"/>
+              <a:r>
+                <a:rPr lang="en" altLang="zh-CN" dirty="0">
+                  <a:latin typeface="Times New Roman" panose="02020603050405020304" pitchFamily="18" charset="0"/>
+                  <a:cs typeface="Times New Roman" panose="02020603050405020304" pitchFamily="18" charset="0"/>
+                </a:rPr>
+                <a:t>initial conditions </a:t>
+              </a:r>
+              <a:r>
+                <a:rPr lang="en-US" altLang="zh-CN" dirty="0">
+                  <a:latin typeface="Times New Roman" panose="02020603050405020304" pitchFamily="18" charset="0"/>
+                  <a:cs typeface="Times New Roman" panose="02020603050405020304" pitchFamily="18" charset="0"/>
+                </a:rPr>
+                <a:t>&amp;</a:t>
+              </a:r>
+              <a:endParaRPr lang="en" altLang="zh-CN" dirty="0">
+                <a:latin typeface="Times New Roman" panose="02020603050405020304" pitchFamily="18" charset="0"/>
+                <a:cs typeface="Times New Roman" panose="02020603050405020304" pitchFamily="18" charset="0"/>
+              </a:endParaRPr>
+            </a:p>
+            <a:p>
+              <a:pPr algn="ctr"/>
+              <a:r>
+                <a:rPr lang="en" altLang="zh-CN" dirty="0">
+                  <a:latin typeface="Times New Roman" panose="02020603050405020304" pitchFamily="18" charset="0"/>
+                  <a:cs typeface="Times New Roman" panose="02020603050405020304" pitchFamily="18" charset="0"/>
+                </a:rPr>
+                <a:t>simulation settings</a:t>
+              </a:r>
+              <a:r>
+                <a:rPr lang="en-US" altLang="zh-CN" dirty="0">
+                  <a:latin typeface="Times New Roman" panose="02020603050405020304" pitchFamily="18" charset="0"/>
+                  <a:cs typeface="Times New Roman" panose="02020603050405020304" pitchFamily="18" charset="0"/>
+                </a:rPr>
+                <a:t>.</a:t>
+              </a:r>
+              <a:endParaRPr lang="en-US" dirty="0">
+                <a:latin typeface="Times New Roman" panose="02020603050405020304" pitchFamily="18" charset="0"/>
+                <a:cs typeface="Times New Roman" panose="02020603050405020304" pitchFamily="18" charset="0"/>
+              </a:endParaRPr>
             </a:p>
           </p:txBody>
         </p:sp>
@@ -3540,8 +3581,8 @@
           </p:nvSpPr>
           <p:spPr>
             <a:xfrm>
-              <a:off x="5369175" y="3577615"/>
-              <a:ext cx="1268296" cy="369332"/>
+              <a:off x="5590446" y="3156961"/>
+              <a:ext cx="1655068" cy="646331"/>
             </a:xfrm>
             <a:prstGeom prst="rect">
               <a:avLst/>
@@ -3554,21 +3595,1576 @@
             </a:bodyPr>
             <a:lstStyle/>
             <a:p>
+              <a:pPr algn="ctr"/>
               <a:r>
                 <a:rPr lang="en-US" dirty="0">
-                  <a:latin typeface="Times New Roman"/>
-                  <a:cs typeface="Times New Roman"/>
+                  <a:latin typeface="Times New Roman" panose="02020603050405020304" pitchFamily="18" charset="0"/>
+                  <a:cs typeface="Times New Roman" panose="02020603050405020304" pitchFamily="18" charset="0"/>
                 </a:rPr>
-                <a:t>Outputs: …</a:t>
+                <a:t>Outputs: </a:t>
               </a:r>
+            </a:p>
+            <a:p>
+              <a:pPr algn="ctr"/>
+              <a:r>
+                <a:rPr lang="en" altLang="zh-CN" dirty="0">
+                  <a:latin typeface="Times New Roman" panose="02020603050405020304" pitchFamily="18" charset="0"/>
+                  <a:cs typeface="Times New Roman" panose="02020603050405020304" pitchFamily="18" charset="0"/>
+                </a:rPr>
+                <a:t>star trajectories.</a:t>
+              </a:r>
+              <a:endParaRPr lang="en-US" dirty="0">
+                <a:latin typeface="Times New Roman" panose="02020603050405020304" pitchFamily="18" charset="0"/>
+                <a:cs typeface="Times New Roman" panose="02020603050405020304" pitchFamily="18" charset="0"/>
+              </a:endParaRPr>
             </a:p>
           </p:txBody>
         </p:sp>
       </p:grpSp>
+      <p:cxnSp>
+        <p:nvCxnSpPr>
+          <p:cNvPr id="2" name="Straight Arrow Connector 24">
+            <a:extLst>
+              <a:ext uri="{FF2B5EF4-FFF2-40B4-BE49-F238E27FC236}">
+                <a16:creationId xmlns:a16="http://schemas.microsoft.com/office/drawing/2014/main" id="{8A633448-26D2-7D31-FDBE-14D007DF231A}"/>
+              </a:ext>
+            </a:extLst>
+          </p:cNvPr>
+          <p:cNvCxnSpPr>
+            <a:cxnSpLocks/>
+            <a:endCxn id="18" idx="2"/>
+          </p:cNvCxnSpPr>
+          <p:nvPr/>
+        </p:nvCxnSpPr>
+        <p:spPr>
+          <a:xfrm flipV="1">
+            <a:off x="4580059" y="3062120"/>
+            <a:ext cx="0" cy="1275964"/>
+          </a:xfrm>
+          <a:prstGeom prst="straightConnector1">
+            <a:avLst/>
+          </a:prstGeom>
+          <a:ln w="38100" cmpd="sng">
+            <a:solidFill>
+              <a:schemeClr val="tx1"/>
+            </a:solidFill>
+            <a:headEnd type="triangle"/>
+            <a:tailEnd type="arrow"/>
+          </a:ln>
+          <a:effectLst/>
+        </p:spPr>
+        <p:style>
+          <a:lnRef idx="2">
+            <a:schemeClr val="accent1"/>
+          </a:lnRef>
+          <a:fillRef idx="0">
+            <a:schemeClr val="accent1"/>
+          </a:fillRef>
+          <a:effectRef idx="1">
+            <a:schemeClr val="accent1"/>
+          </a:effectRef>
+          <a:fontRef idx="minor">
+            <a:schemeClr val="tx1"/>
+          </a:fontRef>
+        </p:style>
+      </p:cxnSp>
+      <p:sp>
+        <p:nvSpPr>
+          <p:cNvPr id="12" name="Oval 7">
+            <a:extLst>
+              <a:ext uri="{FF2B5EF4-FFF2-40B4-BE49-F238E27FC236}">
+                <a16:creationId xmlns:a16="http://schemas.microsoft.com/office/drawing/2014/main" id="{6646DF29-EDCE-F027-3885-A7038F28902D}"/>
+              </a:ext>
+            </a:extLst>
+          </p:cNvPr>
+          <p:cNvSpPr/>
+          <p:nvPr/>
+        </p:nvSpPr>
+        <p:spPr>
+          <a:xfrm>
+            <a:off x="3956907" y="4338084"/>
+            <a:ext cx="1246302" cy="1246370"/>
+          </a:xfrm>
+          <a:prstGeom prst="ellipse">
+            <a:avLst/>
+          </a:prstGeom>
+          <a:noFill/>
+          <a:ln w="38100" cmpd="sng">
+            <a:solidFill>
+              <a:schemeClr val="tx1"/>
+            </a:solidFill>
+          </a:ln>
+          <a:effectLst/>
+        </p:spPr>
+        <p:style>
+          <a:lnRef idx="1">
+            <a:schemeClr val="accent1"/>
+          </a:lnRef>
+          <a:fillRef idx="3">
+            <a:schemeClr val="accent1"/>
+          </a:fillRef>
+          <a:effectRef idx="2">
+            <a:schemeClr val="accent1"/>
+          </a:effectRef>
+          <a:fontRef idx="minor">
+            <a:schemeClr val="lt1"/>
+          </a:fontRef>
+        </p:style>
+        <p:txBody>
+          <a:bodyPr rtlCol="0" anchor="ctr"/>
+          <a:lstStyle/>
+          <a:p>
+            <a:pPr algn="ctr"/>
+            <a:endParaRPr lang="en-US" dirty="0"/>
+          </a:p>
+        </p:txBody>
+      </p:sp>
+      <p:sp>
+        <p:nvSpPr>
+          <p:cNvPr id="13" name="文本框 12">
+            <a:extLst>
+              <a:ext uri="{FF2B5EF4-FFF2-40B4-BE49-F238E27FC236}">
+                <a16:creationId xmlns:a16="http://schemas.microsoft.com/office/drawing/2014/main" id="{18707650-5484-DB28-079C-1CB72CA3E0FE}"/>
+              </a:ext>
+            </a:extLst>
+          </p:cNvPr>
+          <p:cNvSpPr txBox="1"/>
+          <p:nvPr/>
+        </p:nvSpPr>
+        <p:spPr>
+          <a:xfrm>
+            <a:off x="4193032" y="4638103"/>
+            <a:ext cx="787396" cy="646331"/>
+          </a:xfrm>
+          <a:prstGeom prst="rect">
+            <a:avLst/>
+          </a:prstGeom>
+          <a:noFill/>
+        </p:spPr>
+        <p:txBody>
+          <a:bodyPr wrap="none" rtlCol="0">
+            <a:spAutoFit/>
+          </a:bodyPr>
+          <a:lstStyle/>
+          <a:p>
+            <a:pPr algn="ctr"/>
+            <a:r>
+              <a:rPr kumimoji="1" lang="en-US" altLang="zh-CN" dirty="0">
+                <a:latin typeface="Times New Roman" panose="02020603050405020304" pitchFamily="18" charset="0"/>
+                <a:cs typeface="Times New Roman" panose="02020603050405020304" pitchFamily="18" charset="0"/>
+              </a:rPr>
+              <a:t>IVP</a:t>
+            </a:r>
+          </a:p>
+          <a:p>
+            <a:pPr algn="ctr"/>
+            <a:r>
+              <a:rPr kumimoji="1" lang="en-US" altLang="zh-CN" dirty="0">
+                <a:latin typeface="Times New Roman" panose="02020603050405020304" pitchFamily="18" charset="0"/>
+                <a:cs typeface="Times New Roman" panose="02020603050405020304" pitchFamily="18" charset="0"/>
+              </a:rPr>
+              <a:t>Solver</a:t>
+            </a:r>
+            <a:endParaRPr kumimoji="1" lang="zh-CN" altLang="en-US" dirty="0">
+              <a:latin typeface="Times New Roman" panose="02020603050405020304" pitchFamily="18" charset="0"/>
+              <a:cs typeface="Times New Roman" panose="02020603050405020304" pitchFamily="18" charset="0"/>
+            </a:endParaRPr>
+          </a:p>
+        </p:txBody>
+      </p:sp>
+      <p:sp>
+        <p:nvSpPr>
+          <p:cNvPr id="14" name="TextBox 33">
+            <a:extLst>
+              <a:ext uri="{FF2B5EF4-FFF2-40B4-BE49-F238E27FC236}">
+                <a16:creationId xmlns:a16="http://schemas.microsoft.com/office/drawing/2014/main" id="{038150B1-E854-5B06-53A7-F68E88BAF740}"/>
+              </a:ext>
+            </a:extLst>
+          </p:cNvPr>
+          <p:cNvSpPr txBox="1"/>
+          <p:nvPr/>
+        </p:nvSpPr>
+        <p:spPr>
+          <a:xfrm>
+            <a:off x="2848404" y="3212166"/>
+            <a:ext cx="1483683" cy="1200329"/>
+          </a:xfrm>
+          <a:prstGeom prst="rect">
+            <a:avLst/>
+          </a:prstGeom>
+          <a:noFill/>
+        </p:spPr>
+        <p:txBody>
+          <a:bodyPr wrap="square" rtlCol="0">
+            <a:spAutoFit/>
+          </a:bodyPr>
+          <a:lstStyle/>
+          <a:p>
+            <a:pPr algn="ctr"/>
+            <a:r>
+              <a:rPr lang="en-US" dirty="0">
+                <a:latin typeface="Times New Roman" panose="02020603050405020304" pitchFamily="18" charset="0"/>
+                <a:cs typeface="Times New Roman" panose="02020603050405020304" pitchFamily="18" charset="0"/>
+              </a:rPr>
+              <a:t>Solver provides IVP solutions on demand.</a:t>
+            </a:r>
+          </a:p>
+        </p:txBody>
+      </p:sp>
     </p:spTree>
     <p:extLst>
       <p:ext uri="{BB962C8B-B14F-4D97-AF65-F5344CB8AC3E}">
         <p14:creationId xmlns:p14="http://schemas.microsoft.com/office/powerpoint/2010/main" val="2981099056"/>
+      </p:ext>
+    </p:extLst>
+  </p:cSld>
+  <p:clrMapOvr>
+    <a:masterClrMapping/>
+  </p:clrMapOvr>
+</p:sld>
+</file>
+
+<file path=ppt/slides/slide2.xml><?xml version="1.0" encoding="utf-8"?>
+<p:sld xmlns:a="http://schemas.openxmlformats.org/drawingml/2006/main" xmlns:r="http://schemas.openxmlformats.org/officeDocument/2006/relationships" xmlns:p="http://schemas.openxmlformats.org/presentationml/2006/main">
+  <p:cSld>
+    <p:spTree>
+      <p:nvGrpSpPr>
+        <p:cNvPr id="1" name=""/>
+        <p:cNvGrpSpPr/>
+        <p:nvPr/>
+      </p:nvGrpSpPr>
+      <p:grpSpPr>
+        <a:xfrm>
+          <a:off x="0" y="0"/>
+          <a:ext cx="0" cy="0"/>
+          <a:chOff x="0" y="0"/>
+          <a:chExt cx="0" cy="0"/>
+        </a:xfrm>
+      </p:grpSpPr>
+      <p:cxnSp>
+        <p:nvCxnSpPr>
+          <p:cNvPr id="44" name="直线箭头连接符 43">
+            <a:extLst>
+              <a:ext uri="{FF2B5EF4-FFF2-40B4-BE49-F238E27FC236}">
+                <a16:creationId xmlns:a16="http://schemas.microsoft.com/office/drawing/2014/main" id="{5B285B26-F6D1-1C8F-EE41-A0A9887E7374}"/>
+              </a:ext>
+            </a:extLst>
+          </p:cNvPr>
+          <p:cNvCxnSpPr>
+            <a:cxnSpLocks/>
+          </p:cNvCxnSpPr>
+          <p:nvPr/>
+        </p:nvCxnSpPr>
+        <p:spPr>
+          <a:xfrm flipV="1">
+            <a:off x="808583" y="3026981"/>
+            <a:ext cx="1621350" cy="10999"/>
+          </a:xfrm>
+          <a:prstGeom prst="straightConnector1">
+            <a:avLst/>
+          </a:prstGeom>
+          <a:ln>
+            <a:solidFill>
+              <a:schemeClr val="bg1">
+                <a:lumMod val="75000"/>
+              </a:schemeClr>
+            </a:solidFill>
+            <a:tailEnd type="triangle"/>
+          </a:ln>
+          <a:effectLst/>
+        </p:spPr>
+        <p:style>
+          <a:lnRef idx="2">
+            <a:schemeClr val="accent1"/>
+          </a:lnRef>
+          <a:fillRef idx="0">
+            <a:schemeClr val="accent1"/>
+          </a:fillRef>
+          <a:effectRef idx="1">
+            <a:schemeClr val="accent1"/>
+          </a:effectRef>
+          <a:fontRef idx="minor">
+            <a:schemeClr val="tx1"/>
+          </a:fontRef>
+        </p:style>
+      </p:cxnSp>
+      <p:sp>
+        <p:nvSpPr>
+          <p:cNvPr id="4" name="Oval 3">
+            <a:extLst>
+              <a:ext uri="{FF2B5EF4-FFF2-40B4-BE49-F238E27FC236}">
+                <a16:creationId xmlns:a16="http://schemas.microsoft.com/office/drawing/2014/main" id="{1B4532C6-A543-2853-C6CE-445645C9D33C}"/>
+              </a:ext>
+            </a:extLst>
+          </p:cNvPr>
+          <p:cNvSpPr/>
+          <p:nvPr/>
+        </p:nvSpPr>
+        <p:spPr>
+          <a:xfrm>
+            <a:off x="812800" y="1417638"/>
+            <a:ext cx="4741332" cy="3467630"/>
+          </a:xfrm>
+          <a:prstGeom prst="ellipse">
+            <a:avLst/>
+          </a:prstGeom>
+          <a:noFill/>
+          <a:ln w="38100" cmpd="sng">
+            <a:solidFill>
+              <a:schemeClr val="accent1">
+                <a:lumMod val="75000"/>
+              </a:schemeClr>
+            </a:solidFill>
+            <a:prstDash val="sysDot"/>
+          </a:ln>
+          <a:effectLst/>
+        </p:spPr>
+        <p:style>
+          <a:lnRef idx="1">
+            <a:schemeClr val="accent1"/>
+          </a:lnRef>
+          <a:fillRef idx="3">
+            <a:schemeClr val="accent1"/>
+          </a:fillRef>
+          <a:effectRef idx="2">
+            <a:schemeClr val="accent1"/>
+          </a:effectRef>
+          <a:fontRef idx="minor">
+            <a:schemeClr val="lt1"/>
+          </a:fontRef>
+        </p:style>
+        <p:txBody>
+          <a:bodyPr rtlCol="0" anchor="ctr"/>
+          <a:lstStyle/>
+          <a:p>
+            <a:pPr algn="ctr"/>
+            <a:endParaRPr lang="en-US" dirty="0">
+              <a:solidFill>
+                <a:schemeClr val="tx2"/>
+              </a:solidFill>
+            </a:endParaRPr>
+          </a:p>
+        </p:txBody>
+      </p:sp>
+      <p:sp>
+        <p:nvSpPr>
+          <p:cNvPr id="5" name="Oval 3">
+            <a:extLst>
+              <a:ext uri="{FF2B5EF4-FFF2-40B4-BE49-F238E27FC236}">
+                <a16:creationId xmlns:a16="http://schemas.microsoft.com/office/drawing/2014/main" id="{55A2A0E0-C777-C195-8C3E-DA49C6E3C180}"/>
+              </a:ext>
+            </a:extLst>
+          </p:cNvPr>
+          <p:cNvSpPr/>
+          <p:nvPr/>
+        </p:nvSpPr>
+        <p:spPr>
+          <a:xfrm>
+            <a:off x="4064000" y="1417638"/>
+            <a:ext cx="3716867" cy="2959629"/>
+          </a:xfrm>
+          <a:prstGeom prst="ellipse">
+            <a:avLst/>
+          </a:prstGeom>
+          <a:noFill/>
+          <a:ln w="38100" cmpd="sng">
+            <a:solidFill>
+              <a:schemeClr val="accent2"/>
+            </a:solidFill>
+            <a:prstDash val="sysDot"/>
+          </a:ln>
+          <a:effectLst/>
+        </p:spPr>
+        <p:style>
+          <a:lnRef idx="1">
+            <a:schemeClr val="accent1"/>
+          </a:lnRef>
+          <a:fillRef idx="3">
+            <a:schemeClr val="accent1"/>
+          </a:fillRef>
+          <a:effectRef idx="2">
+            <a:schemeClr val="accent1"/>
+          </a:effectRef>
+          <a:fontRef idx="minor">
+            <a:schemeClr val="lt1"/>
+          </a:fontRef>
+        </p:style>
+        <p:txBody>
+          <a:bodyPr rtlCol="0" anchor="ctr"/>
+          <a:lstStyle/>
+          <a:p>
+            <a:pPr algn="ctr"/>
+            <a:endParaRPr lang="en-US"/>
+          </a:p>
+        </p:txBody>
+      </p:sp>
+      <p:cxnSp>
+        <p:nvCxnSpPr>
+          <p:cNvPr id="15" name="直线连接符 14">
+            <a:extLst>
+              <a:ext uri="{FF2B5EF4-FFF2-40B4-BE49-F238E27FC236}">
+                <a16:creationId xmlns:a16="http://schemas.microsoft.com/office/drawing/2014/main" id="{6CA6C5F1-8A9D-C9B5-7AB6-8133AADB0E99}"/>
+              </a:ext>
+            </a:extLst>
+          </p:cNvPr>
+          <p:cNvCxnSpPr>
+            <a:cxnSpLocks/>
+          </p:cNvCxnSpPr>
+          <p:nvPr/>
+        </p:nvCxnSpPr>
+        <p:spPr>
+          <a:xfrm>
+            <a:off x="4656668" y="2824197"/>
+            <a:ext cx="211666" cy="224367"/>
+          </a:xfrm>
+          <a:prstGeom prst="line">
+            <a:avLst/>
+          </a:prstGeom>
+          <a:ln>
+            <a:solidFill>
+              <a:schemeClr val="bg1">
+                <a:lumMod val="65000"/>
+              </a:schemeClr>
+            </a:solidFill>
+          </a:ln>
+          <a:effectLst/>
+        </p:spPr>
+        <p:style>
+          <a:lnRef idx="2">
+            <a:schemeClr val="accent1"/>
+          </a:lnRef>
+          <a:fillRef idx="0">
+            <a:schemeClr val="accent1"/>
+          </a:fillRef>
+          <a:effectRef idx="1">
+            <a:schemeClr val="accent1"/>
+          </a:effectRef>
+          <a:fontRef idx="minor">
+            <a:schemeClr val="tx1"/>
+          </a:fontRef>
+        </p:style>
+      </p:cxnSp>
+      <p:cxnSp>
+        <p:nvCxnSpPr>
+          <p:cNvPr id="17" name="直线连接符 16">
+            <a:extLst>
+              <a:ext uri="{FF2B5EF4-FFF2-40B4-BE49-F238E27FC236}">
+                <a16:creationId xmlns:a16="http://schemas.microsoft.com/office/drawing/2014/main" id="{AA0EDC89-9A11-8F50-16A3-7AEBF789F674}"/>
+              </a:ext>
+            </a:extLst>
+          </p:cNvPr>
+          <p:cNvCxnSpPr>
+            <a:cxnSpLocks/>
+          </p:cNvCxnSpPr>
+          <p:nvPr/>
+        </p:nvCxnSpPr>
+        <p:spPr>
+          <a:xfrm flipV="1">
+            <a:off x="4656668" y="2834780"/>
+            <a:ext cx="237066" cy="203200"/>
+          </a:xfrm>
+          <a:prstGeom prst="line">
+            <a:avLst/>
+          </a:prstGeom>
+          <a:ln>
+            <a:solidFill>
+              <a:schemeClr val="bg1">
+                <a:lumMod val="65000"/>
+              </a:schemeClr>
+            </a:solidFill>
+          </a:ln>
+          <a:effectLst/>
+        </p:spPr>
+        <p:style>
+          <a:lnRef idx="2">
+            <a:schemeClr val="accent1"/>
+          </a:lnRef>
+          <a:fillRef idx="0">
+            <a:schemeClr val="accent1"/>
+          </a:fillRef>
+          <a:effectRef idx="1">
+            <a:schemeClr val="accent1"/>
+          </a:effectRef>
+          <a:fontRef idx="minor">
+            <a:schemeClr val="tx1"/>
+          </a:fontRef>
+        </p:style>
+      </p:cxnSp>
+      <p:sp>
+        <p:nvSpPr>
+          <p:cNvPr id="6" name="五角星 5">
+            <a:extLst>
+              <a:ext uri="{FF2B5EF4-FFF2-40B4-BE49-F238E27FC236}">
+                <a16:creationId xmlns:a16="http://schemas.microsoft.com/office/drawing/2014/main" id="{38F845E0-ADB1-F065-9E8B-1006CD23391E}"/>
+              </a:ext>
+            </a:extLst>
+          </p:cNvPr>
+          <p:cNvSpPr/>
+          <p:nvPr/>
+        </p:nvSpPr>
+        <p:spPr>
+          <a:xfrm>
+            <a:off x="656166" y="2834780"/>
+            <a:ext cx="313267" cy="321733"/>
+          </a:xfrm>
+          <a:prstGeom prst="star5">
+            <a:avLst/>
+          </a:prstGeom>
+          <a:ln>
+            <a:noFill/>
+          </a:ln>
+        </p:spPr>
+        <p:style>
+          <a:lnRef idx="1">
+            <a:schemeClr val="accent1"/>
+          </a:lnRef>
+          <a:fillRef idx="3">
+            <a:schemeClr val="accent1"/>
+          </a:fillRef>
+          <a:effectRef idx="2">
+            <a:schemeClr val="accent1"/>
+          </a:effectRef>
+          <a:fontRef idx="minor">
+            <a:schemeClr val="lt1"/>
+          </a:fontRef>
+        </p:style>
+        <p:txBody>
+          <a:bodyPr rtlCol="0" anchor="ctr"/>
+          <a:lstStyle/>
+          <a:p>
+            <a:pPr algn="ctr"/>
+            <a:endParaRPr kumimoji="1" lang="zh-CN" altLang="en-US"/>
+          </a:p>
+        </p:txBody>
+      </p:sp>
+      <p:sp>
+        <p:nvSpPr>
+          <p:cNvPr id="7" name="五角星 6">
+            <a:extLst>
+              <a:ext uri="{FF2B5EF4-FFF2-40B4-BE49-F238E27FC236}">
+                <a16:creationId xmlns:a16="http://schemas.microsoft.com/office/drawing/2014/main" id="{7491952A-BC43-E220-8DBF-7CFE71D1E852}"/>
+              </a:ext>
+            </a:extLst>
+          </p:cNvPr>
+          <p:cNvSpPr/>
+          <p:nvPr/>
+        </p:nvSpPr>
+        <p:spPr>
+          <a:xfrm rot="1208312">
+            <a:off x="7641167" y="2745052"/>
+            <a:ext cx="304801" cy="304800"/>
+          </a:xfrm>
+          <a:prstGeom prst="star5">
+            <a:avLst>
+              <a:gd name="adj" fmla="val 16180"/>
+              <a:gd name="hf" fmla="val 105146"/>
+              <a:gd name="vf" fmla="val 110557"/>
+            </a:avLst>
+          </a:prstGeom>
+          <a:solidFill>
+            <a:schemeClr val="accent2">
+              <a:lumMod val="60000"/>
+              <a:lumOff val="40000"/>
+            </a:schemeClr>
+          </a:solidFill>
+          <a:ln>
+            <a:noFill/>
+          </a:ln>
+        </p:spPr>
+        <p:style>
+          <a:lnRef idx="1">
+            <a:schemeClr val="accent1"/>
+          </a:lnRef>
+          <a:fillRef idx="3">
+            <a:schemeClr val="accent1"/>
+          </a:fillRef>
+          <a:effectRef idx="2">
+            <a:schemeClr val="accent1"/>
+          </a:effectRef>
+          <a:fontRef idx="minor">
+            <a:schemeClr val="lt1"/>
+          </a:fontRef>
+        </p:style>
+        <p:txBody>
+          <a:bodyPr rtlCol="0" anchor="ctr"/>
+          <a:lstStyle/>
+          <a:p>
+            <a:pPr algn="ctr"/>
+            <a:endParaRPr kumimoji="1" lang="zh-CN" altLang="en-US"/>
+          </a:p>
+        </p:txBody>
+      </p:sp>
+      <p:cxnSp>
+        <p:nvCxnSpPr>
+          <p:cNvPr id="32" name="直线箭头连接符 31">
+            <a:extLst>
+              <a:ext uri="{FF2B5EF4-FFF2-40B4-BE49-F238E27FC236}">
+                <a16:creationId xmlns:a16="http://schemas.microsoft.com/office/drawing/2014/main" id="{09704D62-26D7-3E67-6BF1-6A04373D3E03}"/>
+              </a:ext>
+            </a:extLst>
+          </p:cNvPr>
+          <p:cNvCxnSpPr>
+            <a:cxnSpLocks/>
+          </p:cNvCxnSpPr>
+          <p:nvPr/>
+        </p:nvCxnSpPr>
+        <p:spPr>
+          <a:xfrm flipV="1">
+            <a:off x="4775200" y="516467"/>
+            <a:ext cx="0" cy="2430082"/>
+          </a:xfrm>
+          <a:prstGeom prst="straightConnector1">
+            <a:avLst/>
+          </a:prstGeom>
+          <a:ln>
+            <a:solidFill>
+              <a:schemeClr val="tx1"/>
+            </a:solidFill>
+            <a:tailEnd type="triangle"/>
+          </a:ln>
+          <a:effectLst/>
+        </p:spPr>
+        <p:style>
+          <a:lnRef idx="2">
+            <a:schemeClr val="accent1"/>
+          </a:lnRef>
+          <a:fillRef idx="0">
+            <a:schemeClr val="accent1"/>
+          </a:fillRef>
+          <a:effectRef idx="1">
+            <a:schemeClr val="accent1"/>
+          </a:effectRef>
+          <a:fontRef idx="minor">
+            <a:schemeClr val="tx1"/>
+          </a:fontRef>
+        </p:style>
+      </p:cxnSp>
+      <p:cxnSp>
+        <p:nvCxnSpPr>
+          <p:cNvPr id="35" name="直线箭头连接符 34">
+            <a:extLst>
+              <a:ext uri="{FF2B5EF4-FFF2-40B4-BE49-F238E27FC236}">
+                <a16:creationId xmlns:a16="http://schemas.microsoft.com/office/drawing/2014/main" id="{76B904C4-F0AA-CD33-1DC7-0072ACFCC11C}"/>
+              </a:ext>
+            </a:extLst>
+          </p:cNvPr>
+          <p:cNvCxnSpPr>
+            <a:cxnSpLocks/>
+          </p:cNvCxnSpPr>
+          <p:nvPr/>
+        </p:nvCxnSpPr>
+        <p:spPr>
+          <a:xfrm flipV="1">
+            <a:off x="4762501" y="2897452"/>
+            <a:ext cx="3886198" cy="42069"/>
+          </a:xfrm>
+          <a:prstGeom prst="straightConnector1">
+            <a:avLst/>
+          </a:prstGeom>
+          <a:ln>
+            <a:solidFill>
+              <a:schemeClr val="tx1"/>
+            </a:solidFill>
+            <a:tailEnd type="triangle"/>
+          </a:ln>
+          <a:effectLst/>
+        </p:spPr>
+        <p:style>
+          <a:lnRef idx="2">
+            <a:schemeClr val="accent1"/>
+          </a:lnRef>
+          <a:fillRef idx="0">
+            <a:schemeClr val="accent1"/>
+          </a:fillRef>
+          <a:effectRef idx="1">
+            <a:schemeClr val="accent1"/>
+          </a:effectRef>
+          <a:fontRef idx="minor">
+            <a:schemeClr val="tx1"/>
+          </a:fontRef>
+        </p:style>
+      </p:cxnSp>
+      <p:sp>
+        <p:nvSpPr>
+          <p:cNvPr id="39" name="文本框 38">
+            <a:extLst>
+              <a:ext uri="{FF2B5EF4-FFF2-40B4-BE49-F238E27FC236}">
+                <a16:creationId xmlns:a16="http://schemas.microsoft.com/office/drawing/2014/main" id="{01247B8F-2DB6-16EE-D9EA-C2966A3BAC02}"/>
+              </a:ext>
+            </a:extLst>
+          </p:cNvPr>
+          <p:cNvSpPr txBox="1"/>
+          <p:nvPr/>
+        </p:nvSpPr>
+        <p:spPr>
+          <a:xfrm>
+            <a:off x="4486339" y="516467"/>
+            <a:ext cx="288862" cy="369332"/>
+          </a:xfrm>
+          <a:prstGeom prst="rect">
+            <a:avLst/>
+          </a:prstGeom>
+          <a:noFill/>
+        </p:spPr>
+        <p:txBody>
+          <a:bodyPr wrap="none" rtlCol="0">
+            <a:spAutoFit/>
+          </a:bodyPr>
+          <a:lstStyle/>
+          <a:p>
+            <a:r>
+              <a:rPr kumimoji="1" lang="en-US" altLang="zh-CN" dirty="0"/>
+              <a:t>y</a:t>
+            </a:r>
+            <a:endParaRPr kumimoji="1" lang="zh-CN" altLang="en-US" dirty="0"/>
+          </a:p>
+        </p:txBody>
+      </p:sp>
+      <p:sp>
+        <p:nvSpPr>
+          <p:cNvPr id="41" name="文本框 40">
+            <a:extLst>
+              <a:ext uri="{FF2B5EF4-FFF2-40B4-BE49-F238E27FC236}">
+                <a16:creationId xmlns:a16="http://schemas.microsoft.com/office/drawing/2014/main" id="{F30A0DBE-756C-62F8-D85E-5749753F8BE2}"/>
+              </a:ext>
+            </a:extLst>
+          </p:cNvPr>
+          <p:cNvSpPr txBox="1"/>
+          <p:nvPr/>
+        </p:nvSpPr>
+        <p:spPr>
+          <a:xfrm>
+            <a:off x="8331200" y="2517233"/>
+            <a:ext cx="284052" cy="369332"/>
+          </a:xfrm>
+          <a:prstGeom prst="rect">
+            <a:avLst/>
+          </a:prstGeom>
+          <a:noFill/>
+        </p:spPr>
+        <p:txBody>
+          <a:bodyPr wrap="none" rtlCol="0">
+            <a:spAutoFit/>
+          </a:bodyPr>
+          <a:lstStyle/>
+          <a:p>
+            <a:r>
+              <a:rPr kumimoji="1" lang="en-US" altLang="zh-CN" dirty="0"/>
+              <a:t>x</a:t>
+            </a:r>
+            <a:endParaRPr kumimoji="1" lang="zh-CN" altLang="en-US" dirty="0"/>
+          </a:p>
+        </p:txBody>
+      </p:sp>
+      <p:sp>
+        <p:nvSpPr>
+          <p:cNvPr id="42" name="文本框 41">
+            <a:extLst>
+              <a:ext uri="{FF2B5EF4-FFF2-40B4-BE49-F238E27FC236}">
+                <a16:creationId xmlns:a16="http://schemas.microsoft.com/office/drawing/2014/main" id="{9CD49A2D-AF17-1CC3-0F0F-7FF51D7A6499}"/>
+              </a:ext>
+            </a:extLst>
+          </p:cNvPr>
+          <p:cNvSpPr txBox="1"/>
+          <p:nvPr/>
+        </p:nvSpPr>
+        <p:spPr>
+          <a:xfrm>
+            <a:off x="322553" y="3056462"/>
+            <a:ext cx="486030" cy="369332"/>
+          </a:xfrm>
+          <a:prstGeom prst="rect">
+            <a:avLst/>
+          </a:prstGeom>
+          <a:noFill/>
+        </p:spPr>
+        <p:txBody>
+          <a:bodyPr wrap="none" rtlCol="0">
+            <a:spAutoFit/>
+          </a:bodyPr>
+          <a:lstStyle/>
+          <a:p>
+            <a:r>
+              <a:rPr kumimoji="1" lang="en-US" altLang="zh-CN" dirty="0"/>
+              <a:t>m1</a:t>
+            </a:r>
+            <a:endParaRPr kumimoji="1" lang="zh-CN" altLang="en-US" dirty="0"/>
+          </a:p>
+        </p:txBody>
+      </p:sp>
+      <p:sp>
+        <p:nvSpPr>
+          <p:cNvPr id="43" name="文本框 42">
+            <a:extLst>
+              <a:ext uri="{FF2B5EF4-FFF2-40B4-BE49-F238E27FC236}">
+                <a16:creationId xmlns:a16="http://schemas.microsoft.com/office/drawing/2014/main" id="{362055C0-F19E-5552-5029-A8FC4F5DFBF2}"/>
+              </a:ext>
+            </a:extLst>
+          </p:cNvPr>
+          <p:cNvSpPr txBox="1"/>
+          <p:nvPr/>
+        </p:nvSpPr>
+        <p:spPr>
+          <a:xfrm>
+            <a:off x="7780867" y="2904057"/>
+            <a:ext cx="486030" cy="369332"/>
+          </a:xfrm>
+          <a:prstGeom prst="rect">
+            <a:avLst/>
+          </a:prstGeom>
+          <a:noFill/>
+        </p:spPr>
+        <p:txBody>
+          <a:bodyPr wrap="none" rtlCol="0">
+            <a:spAutoFit/>
+          </a:bodyPr>
+          <a:lstStyle/>
+          <a:p>
+            <a:r>
+              <a:rPr kumimoji="1" lang="en-US" altLang="zh-CN" dirty="0"/>
+              <a:t>m2</a:t>
+            </a:r>
+            <a:endParaRPr kumimoji="1" lang="zh-CN" altLang="en-US" dirty="0"/>
+          </a:p>
+        </p:txBody>
+      </p:sp>
+      <mc:AlternateContent xmlns:mc="http://schemas.openxmlformats.org/markup-compatibility/2006">
+        <mc:Choice xmlns:a14="http://schemas.microsoft.com/office/drawing/2010/main" Requires="a14">
+          <p:sp>
+            <p:nvSpPr>
+              <p:cNvPr id="47" name="文本框 46">
+                <a:extLst>
+                  <a:ext uri="{FF2B5EF4-FFF2-40B4-BE49-F238E27FC236}">
+                    <a16:creationId xmlns:a16="http://schemas.microsoft.com/office/drawing/2014/main" id="{38BB47B6-8B18-8B3F-09FD-B2ABB5124DFA}"/>
+                  </a:ext>
+                </a:extLst>
+              </p:cNvPr>
+              <p:cNvSpPr txBox="1"/>
+              <p:nvPr/>
+            </p:nvSpPr>
+            <p:spPr>
+              <a:xfrm>
+                <a:off x="2110508" y="3088723"/>
+                <a:ext cx="332142" cy="369332"/>
+              </a:xfrm>
+              <a:prstGeom prst="rect">
+                <a:avLst/>
+              </a:prstGeom>
+              <a:noFill/>
+            </p:spPr>
+            <p:txBody>
+              <a:bodyPr wrap="none" rtlCol="0">
+                <a:spAutoFit/>
+              </a:bodyPr>
+              <a:lstStyle/>
+              <a:p>
+                <a14:m>
+                  <m:oMathPara xmlns:m="http://schemas.openxmlformats.org/officeDocument/2006/math">
+                    <m:oMathParaPr>
+                      <m:jc m:val="centerGroup"/>
+                    </m:oMathParaPr>
+                    <m:oMath xmlns:m="http://schemas.openxmlformats.org/officeDocument/2006/math">
+                      <m:acc>
+                        <m:accPr>
+                          <m:chr m:val="⃗"/>
+                          <m:ctrlPr>
+                            <a:rPr lang="en" altLang="zh-CN" i="1" dirty="0" smtClean="0">
+                              <a:latin typeface="Cambria Math" panose="02040503050406030204" pitchFamily="18" charset="0"/>
+                            </a:rPr>
+                          </m:ctrlPr>
+                        </m:accPr>
+                        <m:e>
+                          <m:r>
+                            <m:rPr>
+                              <m:sty m:val="p"/>
+                            </m:rPr>
+                            <a:rPr lang="en-US" altLang="zh-CN" b="0" i="1" dirty="0" smtClean="0">
+                              <a:latin typeface="Cambria Math" panose="02040503050406030204" pitchFamily="18" charset="0"/>
+                            </a:rPr>
+                            <m:t>r</m:t>
+                          </m:r>
+                        </m:e>
+                      </m:acc>
+                    </m:oMath>
+                  </m:oMathPara>
+                </a14:m>
+              </a:p>
+            </p:txBody>
+          </p:sp>
+        </mc:Choice>
+        <mc:Fallback>
+          <p:sp>
+            <p:nvSpPr>
+              <p:cNvPr id="47" name="文本框 46">
+                <a:extLst>
+                  <a:ext uri="{FF2B5EF4-FFF2-40B4-BE49-F238E27FC236}">
+                    <a16:creationId xmlns:a16="http://schemas.microsoft.com/office/drawing/2014/main" id="{38BB47B6-8B18-8B3F-09FD-B2ABB5124DFA}"/>
+                  </a:ext>
+                </a:extLst>
+              </p:cNvPr>
+              <p:cNvSpPr txBox="1">
+                <a:spLocks noRot="1" noChangeAspect="1" noMove="1" noResize="1" noEditPoints="1" noAdjustHandles="1" noChangeArrowheads="1" noChangeShapeType="1" noTextEdit="1"/>
+              </p:cNvSpPr>
+              <p:nvPr/>
+            </p:nvSpPr>
+            <p:spPr>
+              <a:xfrm>
+                <a:off x="2110508" y="3088723"/>
+                <a:ext cx="332142" cy="369332"/>
+              </a:xfrm>
+              <a:prstGeom prst="rect">
+                <a:avLst/>
+              </a:prstGeom>
+              <a:blipFill>
+                <a:blip r:embed="rId2"/>
+                <a:stretch>
+                  <a:fillRect t="-13333" r="-22222" b="-23333"/>
+                </a:stretch>
+              </a:blipFill>
+            </p:spPr>
+            <p:txBody>
+              <a:bodyPr/>
+              <a:lstStyle/>
+              <a:p>
+                <a:r>
+                  <a:rPr lang="zh-CN" altLang="en-US">
+                    <a:noFill/>
+                  </a:rPr>
+                  <a:t> </a:t>
+                </a:r>
+              </a:p>
+            </p:txBody>
+          </p:sp>
+        </mc:Fallback>
+      </mc:AlternateContent>
+    </p:spTree>
+    <p:extLst>
+      <p:ext uri="{BB962C8B-B14F-4D97-AF65-F5344CB8AC3E}">
+        <p14:creationId xmlns:p14="http://schemas.microsoft.com/office/powerpoint/2010/main" val="3847295431"/>
+      </p:ext>
+    </p:extLst>
+  </p:cSld>
+  <p:clrMapOvr>
+    <a:masterClrMapping/>
+  </p:clrMapOvr>
+</p:sld>
+</file>
+
+<file path=ppt/slides/slide3.xml><?xml version="1.0" encoding="utf-8"?>
+<p:sld xmlns:a="http://schemas.openxmlformats.org/drawingml/2006/main" xmlns:r="http://schemas.openxmlformats.org/officeDocument/2006/relationships" xmlns:p="http://schemas.openxmlformats.org/presentationml/2006/main">
+  <p:cSld>
+    <p:spTree>
+      <p:nvGrpSpPr>
+        <p:cNvPr id="1" name="">
+          <a:extLst>
+            <a:ext uri="{FF2B5EF4-FFF2-40B4-BE49-F238E27FC236}">
+              <a16:creationId xmlns:a16="http://schemas.microsoft.com/office/drawing/2014/main" id="{0417869A-3240-985F-D7DA-EEA8B1A8D897}"/>
+            </a:ext>
+          </a:extLst>
+        </p:cNvPr>
+        <p:cNvGrpSpPr/>
+        <p:nvPr/>
+      </p:nvGrpSpPr>
+      <p:grpSpPr>
+        <a:xfrm>
+          <a:off x="0" y="0"/>
+          <a:ext cx="0" cy="0"/>
+          <a:chOff x="0" y="0"/>
+          <a:chExt cx="0" cy="0"/>
+        </a:xfrm>
+      </p:grpSpPr>
+      <p:cxnSp>
+        <p:nvCxnSpPr>
+          <p:cNvPr id="44" name="直线箭头连接符 43">
+            <a:extLst>
+              <a:ext uri="{FF2B5EF4-FFF2-40B4-BE49-F238E27FC236}">
+                <a16:creationId xmlns:a16="http://schemas.microsoft.com/office/drawing/2014/main" id="{C0C092BF-FF03-F78A-B28F-DD76CC39E7E6}"/>
+              </a:ext>
+            </a:extLst>
+          </p:cNvPr>
+          <p:cNvCxnSpPr>
+            <a:cxnSpLocks/>
+          </p:cNvCxnSpPr>
+          <p:nvPr/>
+        </p:nvCxnSpPr>
+        <p:spPr>
+          <a:xfrm flipV="1">
+            <a:off x="2304650" y="2946549"/>
+            <a:ext cx="1621350" cy="10999"/>
+          </a:xfrm>
+          <a:prstGeom prst="straightConnector1">
+            <a:avLst/>
+          </a:prstGeom>
+          <a:ln>
+            <a:solidFill>
+              <a:schemeClr val="bg1">
+                <a:lumMod val="75000"/>
+              </a:schemeClr>
+            </a:solidFill>
+            <a:tailEnd type="triangle"/>
+          </a:ln>
+          <a:effectLst/>
+        </p:spPr>
+        <p:style>
+          <a:lnRef idx="2">
+            <a:schemeClr val="accent1"/>
+          </a:lnRef>
+          <a:fillRef idx="0">
+            <a:schemeClr val="accent1"/>
+          </a:fillRef>
+          <a:effectRef idx="1">
+            <a:schemeClr val="accent1"/>
+          </a:effectRef>
+          <a:fontRef idx="minor">
+            <a:schemeClr val="tx1"/>
+          </a:fontRef>
+        </p:style>
+      </p:cxnSp>
+      <p:cxnSp>
+        <p:nvCxnSpPr>
+          <p:cNvPr id="15" name="直线连接符 14">
+            <a:extLst>
+              <a:ext uri="{FF2B5EF4-FFF2-40B4-BE49-F238E27FC236}">
+                <a16:creationId xmlns:a16="http://schemas.microsoft.com/office/drawing/2014/main" id="{90864104-BBD2-9335-DC4A-EC1D23C39181}"/>
+              </a:ext>
+            </a:extLst>
+          </p:cNvPr>
+          <p:cNvCxnSpPr>
+            <a:cxnSpLocks/>
+          </p:cNvCxnSpPr>
+          <p:nvPr/>
+        </p:nvCxnSpPr>
+        <p:spPr>
+          <a:xfrm>
+            <a:off x="4656668" y="2824197"/>
+            <a:ext cx="211666" cy="224367"/>
+          </a:xfrm>
+          <a:prstGeom prst="line">
+            <a:avLst/>
+          </a:prstGeom>
+          <a:ln>
+            <a:solidFill>
+              <a:schemeClr val="bg1">
+                <a:lumMod val="65000"/>
+              </a:schemeClr>
+            </a:solidFill>
+          </a:ln>
+          <a:effectLst/>
+        </p:spPr>
+        <p:style>
+          <a:lnRef idx="2">
+            <a:schemeClr val="accent1"/>
+          </a:lnRef>
+          <a:fillRef idx="0">
+            <a:schemeClr val="accent1"/>
+          </a:fillRef>
+          <a:effectRef idx="1">
+            <a:schemeClr val="accent1"/>
+          </a:effectRef>
+          <a:fontRef idx="minor">
+            <a:schemeClr val="tx1"/>
+          </a:fontRef>
+        </p:style>
+      </p:cxnSp>
+      <p:cxnSp>
+        <p:nvCxnSpPr>
+          <p:cNvPr id="17" name="直线连接符 16">
+            <a:extLst>
+              <a:ext uri="{FF2B5EF4-FFF2-40B4-BE49-F238E27FC236}">
+                <a16:creationId xmlns:a16="http://schemas.microsoft.com/office/drawing/2014/main" id="{F28225CD-AF0A-189F-54D9-D2D3AEADE45A}"/>
+              </a:ext>
+            </a:extLst>
+          </p:cNvPr>
+          <p:cNvCxnSpPr>
+            <a:cxnSpLocks/>
+          </p:cNvCxnSpPr>
+          <p:nvPr/>
+        </p:nvCxnSpPr>
+        <p:spPr>
+          <a:xfrm flipV="1">
+            <a:off x="4656668" y="2834780"/>
+            <a:ext cx="237066" cy="203200"/>
+          </a:xfrm>
+          <a:prstGeom prst="line">
+            <a:avLst/>
+          </a:prstGeom>
+          <a:ln>
+            <a:solidFill>
+              <a:schemeClr val="bg1">
+                <a:lumMod val="65000"/>
+              </a:schemeClr>
+            </a:solidFill>
+          </a:ln>
+          <a:effectLst/>
+        </p:spPr>
+        <p:style>
+          <a:lnRef idx="2">
+            <a:schemeClr val="accent1"/>
+          </a:lnRef>
+          <a:fillRef idx="0">
+            <a:schemeClr val="accent1"/>
+          </a:fillRef>
+          <a:effectRef idx="1">
+            <a:schemeClr val="accent1"/>
+          </a:effectRef>
+          <a:fontRef idx="minor">
+            <a:schemeClr val="tx1"/>
+          </a:fontRef>
+        </p:style>
+      </p:cxnSp>
+      <p:sp>
+        <p:nvSpPr>
+          <p:cNvPr id="6" name="五角星 5">
+            <a:extLst>
+              <a:ext uri="{FF2B5EF4-FFF2-40B4-BE49-F238E27FC236}">
+                <a16:creationId xmlns:a16="http://schemas.microsoft.com/office/drawing/2014/main" id="{9B404248-8A95-44E0-96F6-343CED263A39}"/>
+              </a:ext>
+            </a:extLst>
+          </p:cNvPr>
+          <p:cNvSpPr/>
+          <p:nvPr/>
+        </p:nvSpPr>
+        <p:spPr>
+          <a:xfrm>
+            <a:off x="2152233" y="2754348"/>
+            <a:ext cx="313267" cy="321733"/>
+          </a:xfrm>
+          <a:prstGeom prst="star5">
+            <a:avLst/>
+          </a:prstGeom>
+          <a:ln>
+            <a:noFill/>
+          </a:ln>
+        </p:spPr>
+        <p:style>
+          <a:lnRef idx="1">
+            <a:schemeClr val="accent1"/>
+          </a:lnRef>
+          <a:fillRef idx="3">
+            <a:schemeClr val="accent1"/>
+          </a:fillRef>
+          <a:effectRef idx="2">
+            <a:schemeClr val="accent1"/>
+          </a:effectRef>
+          <a:fontRef idx="minor">
+            <a:schemeClr val="lt1"/>
+          </a:fontRef>
+        </p:style>
+        <p:txBody>
+          <a:bodyPr rtlCol="0" anchor="ctr"/>
+          <a:lstStyle/>
+          <a:p>
+            <a:pPr algn="ctr"/>
+            <a:endParaRPr kumimoji="1" lang="zh-CN" altLang="en-US"/>
+          </a:p>
+        </p:txBody>
+      </p:sp>
+      <p:sp>
+        <p:nvSpPr>
+          <p:cNvPr id="7" name="五角星 6">
+            <a:extLst>
+              <a:ext uri="{FF2B5EF4-FFF2-40B4-BE49-F238E27FC236}">
+                <a16:creationId xmlns:a16="http://schemas.microsoft.com/office/drawing/2014/main" id="{E326671F-A5A3-72C8-0FF1-D38B58F987F4}"/>
+              </a:ext>
+            </a:extLst>
+          </p:cNvPr>
+          <p:cNvSpPr/>
+          <p:nvPr/>
+        </p:nvSpPr>
+        <p:spPr>
+          <a:xfrm rot="1208312">
+            <a:off x="7641167" y="2745052"/>
+            <a:ext cx="304801" cy="304800"/>
+          </a:xfrm>
+          <a:prstGeom prst="star5">
+            <a:avLst>
+              <a:gd name="adj" fmla="val 16180"/>
+              <a:gd name="hf" fmla="val 105146"/>
+              <a:gd name="vf" fmla="val 110557"/>
+            </a:avLst>
+          </a:prstGeom>
+          <a:solidFill>
+            <a:schemeClr val="accent2">
+              <a:lumMod val="60000"/>
+              <a:lumOff val="40000"/>
+            </a:schemeClr>
+          </a:solidFill>
+          <a:ln>
+            <a:noFill/>
+          </a:ln>
+        </p:spPr>
+        <p:style>
+          <a:lnRef idx="1">
+            <a:schemeClr val="accent1"/>
+          </a:lnRef>
+          <a:fillRef idx="3">
+            <a:schemeClr val="accent1"/>
+          </a:fillRef>
+          <a:effectRef idx="2">
+            <a:schemeClr val="accent1"/>
+          </a:effectRef>
+          <a:fontRef idx="minor">
+            <a:schemeClr val="lt1"/>
+          </a:fontRef>
+        </p:style>
+        <p:txBody>
+          <a:bodyPr rtlCol="0" anchor="ctr"/>
+          <a:lstStyle/>
+          <a:p>
+            <a:pPr algn="ctr"/>
+            <a:endParaRPr kumimoji="1" lang="zh-CN" altLang="en-US"/>
+          </a:p>
+        </p:txBody>
+      </p:sp>
+      <p:cxnSp>
+        <p:nvCxnSpPr>
+          <p:cNvPr id="32" name="直线箭头连接符 31">
+            <a:extLst>
+              <a:ext uri="{FF2B5EF4-FFF2-40B4-BE49-F238E27FC236}">
+                <a16:creationId xmlns:a16="http://schemas.microsoft.com/office/drawing/2014/main" id="{791C4AC4-9A6A-4D5A-795D-2BBF80BE82C1}"/>
+              </a:ext>
+            </a:extLst>
+          </p:cNvPr>
+          <p:cNvCxnSpPr>
+            <a:cxnSpLocks/>
+          </p:cNvCxnSpPr>
+          <p:nvPr/>
+        </p:nvCxnSpPr>
+        <p:spPr>
+          <a:xfrm flipV="1">
+            <a:off x="4775200" y="516467"/>
+            <a:ext cx="0" cy="2430082"/>
+          </a:xfrm>
+          <a:prstGeom prst="straightConnector1">
+            <a:avLst/>
+          </a:prstGeom>
+          <a:ln>
+            <a:solidFill>
+              <a:schemeClr val="tx1"/>
+            </a:solidFill>
+            <a:tailEnd type="triangle"/>
+          </a:ln>
+          <a:effectLst/>
+        </p:spPr>
+        <p:style>
+          <a:lnRef idx="2">
+            <a:schemeClr val="accent1"/>
+          </a:lnRef>
+          <a:fillRef idx="0">
+            <a:schemeClr val="accent1"/>
+          </a:fillRef>
+          <a:effectRef idx="1">
+            <a:schemeClr val="accent1"/>
+          </a:effectRef>
+          <a:fontRef idx="minor">
+            <a:schemeClr val="tx1"/>
+          </a:fontRef>
+        </p:style>
+      </p:cxnSp>
+      <p:cxnSp>
+        <p:nvCxnSpPr>
+          <p:cNvPr id="35" name="直线箭头连接符 34">
+            <a:extLst>
+              <a:ext uri="{FF2B5EF4-FFF2-40B4-BE49-F238E27FC236}">
+                <a16:creationId xmlns:a16="http://schemas.microsoft.com/office/drawing/2014/main" id="{2030C004-9F3D-62DC-4D65-920ADE4C05D3}"/>
+              </a:ext>
+            </a:extLst>
+          </p:cNvPr>
+          <p:cNvCxnSpPr>
+            <a:cxnSpLocks/>
+          </p:cNvCxnSpPr>
+          <p:nvPr/>
+        </p:nvCxnSpPr>
+        <p:spPr>
+          <a:xfrm flipV="1">
+            <a:off x="4762501" y="2897452"/>
+            <a:ext cx="3886198" cy="42069"/>
+          </a:xfrm>
+          <a:prstGeom prst="straightConnector1">
+            <a:avLst/>
+          </a:prstGeom>
+          <a:ln>
+            <a:solidFill>
+              <a:schemeClr val="tx1"/>
+            </a:solidFill>
+            <a:tailEnd type="triangle"/>
+          </a:ln>
+          <a:effectLst/>
+        </p:spPr>
+        <p:style>
+          <a:lnRef idx="2">
+            <a:schemeClr val="accent1"/>
+          </a:lnRef>
+          <a:fillRef idx="0">
+            <a:schemeClr val="accent1"/>
+          </a:fillRef>
+          <a:effectRef idx="1">
+            <a:schemeClr val="accent1"/>
+          </a:effectRef>
+          <a:fontRef idx="minor">
+            <a:schemeClr val="tx1"/>
+          </a:fontRef>
+        </p:style>
+      </p:cxnSp>
+      <p:sp>
+        <p:nvSpPr>
+          <p:cNvPr id="39" name="文本框 38">
+            <a:extLst>
+              <a:ext uri="{FF2B5EF4-FFF2-40B4-BE49-F238E27FC236}">
+                <a16:creationId xmlns:a16="http://schemas.microsoft.com/office/drawing/2014/main" id="{48E29BC6-1C14-EAE3-22E8-8AD56B6A7A92}"/>
+              </a:ext>
+            </a:extLst>
+          </p:cNvPr>
+          <p:cNvSpPr txBox="1"/>
+          <p:nvPr/>
+        </p:nvSpPr>
+        <p:spPr>
+          <a:xfrm>
+            <a:off x="4486339" y="516467"/>
+            <a:ext cx="288862" cy="369332"/>
+          </a:xfrm>
+          <a:prstGeom prst="rect">
+            <a:avLst/>
+          </a:prstGeom>
+          <a:noFill/>
+        </p:spPr>
+        <p:txBody>
+          <a:bodyPr wrap="none" rtlCol="0">
+            <a:spAutoFit/>
+          </a:bodyPr>
+          <a:lstStyle/>
+          <a:p>
+            <a:r>
+              <a:rPr kumimoji="1" lang="en-US" altLang="zh-CN" dirty="0"/>
+              <a:t>y</a:t>
+            </a:r>
+            <a:endParaRPr kumimoji="1" lang="zh-CN" altLang="en-US" dirty="0"/>
+          </a:p>
+        </p:txBody>
+      </p:sp>
+      <p:sp>
+        <p:nvSpPr>
+          <p:cNvPr id="41" name="文本框 40">
+            <a:extLst>
+              <a:ext uri="{FF2B5EF4-FFF2-40B4-BE49-F238E27FC236}">
+                <a16:creationId xmlns:a16="http://schemas.microsoft.com/office/drawing/2014/main" id="{29362740-2EAF-3F68-3369-C2295C475A6E}"/>
+              </a:ext>
+            </a:extLst>
+          </p:cNvPr>
+          <p:cNvSpPr txBox="1"/>
+          <p:nvPr/>
+        </p:nvSpPr>
+        <p:spPr>
+          <a:xfrm>
+            <a:off x="8331200" y="2517233"/>
+            <a:ext cx="284052" cy="369332"/>
+          </a:xfrm>
+          <a:prstGeom prst="rect">
+            <a:avLst/>
+          </a:prstGeom>
+          <a:noFill/>
+        </p:spPr>
+        <p:txBody>
+          <a:bodyPr wrap="none" rtlCol="0">
+            <a:spAutoFit/>
+          </a:bodyPr>
+          <a:lstStyle/>
+          <a:p>
+            <a:r>
+              <a:rPr kumimoji="1" lang="en-US" altLang="zh-CN" dirty="0"/>
+              <a:t>x</a:t>
+            </a:r>
+            <a:endParaRPr kumimoji="1" lang="zh-CN" altLang="en-US" dirty="0"/>
+          </a:p>
+        </p:txBody>
+      </p:sp>
+      <p:sp>
+        <p:nvSpPr>
+          <p:cNvPr id="42" name="文本框 41">
+            <a:extLst>
+              <a:ext uri="{FF2B5EF4-FFF2-40B4-BE49-F238E27FC236}">
+                <a16:creationId xmlns:a16="http://schemas.microsoft.com/office/drawing/2014/main" id="{7389BBFF-E29B-42E8-829C-416F7EA9EAB6}"/>
+              </a:ext>
+            </a:extLst>
+          </p:cNvPr>
+          <p:cNvSpPr txBox="1"/>
+          <p:nvPr/>
+        </p:nvSpPr>
+        <p:spPr>
+          <a:xfrm>
+            <a:off x="1818620" y="2976030"/>
+            <a:ext cx="486030" cy="369332"/>
+          </a:xfrm>
+          <a:prstGeom prst="rect">
+            <a:avLst/>
+          </a:prstGeom>
+          <a:noFill/>
+        </p:spPr>
+        <p:txBody>
+          <a:bodyPr wrap="none" rtlCol="0">
+            <a:spAutoFit/>
+          </a:bodyPr>
+          <a:lstStyle/>
+          <a:p>
+            <a:r>
+              <a:rPr kumimoji="1" lang="en-US" altLang="zh-CN" dirty="0"/>
+              <a:t>m1</a:t>
+            </a:r>
+            <a:endParaRPr kumimoji="1" lang="zh-CN" altLang="en-US" dirty="0"/>
+          </a:p>
+        </p:txBody>
+      </p:sp>
+      <p:sp>
+        <p:nvSpPr>
+          <p:cNvPr id="43" name="文本框 42">
+            <a:extLst>
+              <a:ext uri="{FF2B5EF4-FFF2-40B4-BE49-F238E27FC236}">
+                <a16:creationId xmlns:a16="http://schemas.microsoft.com/office/drawing/2014/main" id="{77191CC6-DEC9-2F1E-CDF7-A1828EAEA505}"/>
+              </a:ext>
+            </a:extLst>
+          </p:cNvPr>
+          <p:cNvSpPr txBox="1"/>
+          <p:nvPr/>
+        </p:nvSpPr>
+        <p:spPr>
+          <a:xfrm>
+            <a:off x="7780867" y="2904057"/>
+            <a:ext cx="486030" cy="369332"/>
+          </a:xfrm>
+          <a:prstGeom prst="rect">
+            <a:avLst/>
+          </a:prstGeom>
+          <a:noFill/>
+        </p:spPr>
+        <p:txBody>
+          <a:bodyPr wrap="none" rtlCol="0">
+            <a:spAutoFit/>
+          </a:bodyPr>
+          <a:lstStyle/>
+          <a:p>
+            <a:r>
+              <a:rPr kumimoji="1" lang="en-US" altLang="zh-CN" dirty="0"/>
+              <a:t>m2</a:t>
+            </a:r>
+            <a:endParaRPr kumimoji="1" lang="zh-CN" altLang="en-US" dirty="0"/>
+          </a:p>
+        </p:txBody>
+      </p:sp>
+      <mc:AlternateContent xmlns:mc="http://schemas.openxmlformats.org/markup-compatibility/2006">
+        <mc:Choice xmlns:a14="http://schemas.microsoft.com/office/drawing/2010/main" Requires="a14">
+          <p:sp>
+            <p:nvSpPr>
+              <p:cNvPr id="47" name="文本框 46">
+                <a:extLst>
+                  <a:ext uri="{FF2B5EF4-FFF2-40B4-BE49-F238E27FC236}">
+                    <a16:creationId xmlns:a16="http://schemas.microsoft.com/office/drawing/2014/main" id="{60532251-A423-918C-53CE-4E8B5D778EAB}"/>
+                  </a:ext>
+                </a:extLst>
+              </p:cNvPr>
+              <p:cNvSpPr txBox="1"/>
+              <p:nvPr/>
+            </p:nvSpPr>
+            <p:spPr>
+              <a:xfrm>
+                <a:off x="3606575" y="3008291"/>
+                <a:ext cx="332142" cy="369332"/>
+              </a:xfrm>
+              <a:prstGeom prst="rect">
+                <a:avLst/>
+              </a:prstGeom>
+              <a:noFill/>
+            </p:spPr>
+            <p:txBody>
+              <a:bodyPr wrap="none" rtlCol="0">
+                <a:spAutoFit/>
+              </a:bodyPr>
+              <a:lstStyle/>
+              <a:p>
+                <a:pPr/>
+                <a14:m>
+                  <m:oMathPara xmlns:m="http://schemas.openxmlformats.org/officeDocument/2006/math">
+                    <m:oMathParaPr>
+                      <m:jc m:val="centerGroup"/>
+                    </m:oMathParaPr>
+                    <m:oMath xmlns:m="http://schemas.openxmlformats.org/officeDocument/2006/math">
+                      <m:acc>
+                        <m:accPr>
+                          <m:chr m:val="⃗"/>
+                          <m:ctrlPr>
+                            <a:rPr lang="en" altLang="zh-CN" i="1" dirty="0" smtClean="0">
+                              <a:latin typeface="Cambria Math" panose="02040503050406030204" pitchFamily="18" charset="0"/>
+                            </a:rPr>
+                          </m:ctrlPr>
+                        </m:accPr>
+                        <m:e>
+                          <m:r>
+                            <m:rPr>
+                              <m:sty m:val="p"/>
+                            </m:rPr>
+                            <a:rPr lang="en-US" altLang="zh-CN" b="0" i="1" dirty="0" smtClean="0">
+                              <a:latin typeface="Cambria Math" panose="02040503050406030204" pitchFamily="18" charset="0"/>
+                            </a:rPr>
+                            <m:t>r</m:t>
+                          </m:r>
+                        </m:e>
+                      </m:acc>
+                    </m:oMath>
+                  </m:oMathPara>
+                </a14:m>
+                <a:endParaRPr/>
+              </a:p>
+            </p:txBody>
+          </p:sp>
+        </mc:Choice>
+        <mc:Fallback>
+          <p:sp>
+            <p:nvSpPr>
+              <p:cNvPr id="47" name="文本框 46">
+                <a:extLst>
+                  <a:ext uri="{FF2B5EF4-FFF2-40B4-BE49-F238E27FC236}">
+                    <a16:creationId xmlns:a16="http://schemas.microsoft.com/office/drawing/2014/main" id="{60532251-A423-918C-53CE-4E8B5D778EAB}"/>
+                  </a:ext>
+                </a:extLst>
+              </p:cNvPr>
+              <p:cNvSpPr txBox="1">
+                <a:spLocks noRot="1" noChangeAspect="1" noMove="1" noResize="1" noEditPoints="1" noAdjustHandles="1" noChangeArrowheads="1" noChangeShapeType="1" noTextEdit="1"/>
+              </p:cNvSpPr>
+              <p:nvPr/>
+            </p:nvSpPr>
+            <p:spPr>
+              <a:xfrm>
+                <a:off x="3606575" y="3008291"/>
+                <a:ext cx="332142" cy="369332"/>
+              </a:xfrm>
+              <a:prstGeom prst="rect">
+                <a:avLst/>
+              </a:prstGeom>
+              <a:blipFill>
+                <a:blip r:embed="rId2"/>
+                <a:stretch>
+                  <a:fillRect t="-10000"/>
+                </a:stretch>
+              </a:blipFill>
+            </p:spPr>
+            <p:txBody>
+              <a:bodyPr/>
+              <a:lstStyle/>
+              <a:p>
+                <a:r>
+                  <a:rPr lang="zh-CN" altLang="en-US">
+                    <a:noFill/>
+                  </a:rPr>
+                  <a:t> </a:t>
+                </a:r>
+              </a:p>
+            </p:txBody>
+          </p:sp>
+        </mc:Fallback>
+      </mc:AlternateContent>
+    </p:spTree>
+    <p:extLst>
+      <p:ext uri="{BB962C8B-B14F-4D97-AF65-F5344CB8AC3E}">
+        <p14:creationId xmlns:p14="http://schemas.microsoft.com/office/powerpoint/2010/main" val="3179982671"/>
       </p:ext>
     </p:extLst>
   </p:cSld>
